--- a/5th Sutdy/Memento/Memento.pptx
+++ b/5th Sutdy/Memento/Memento.pptx
@@ -6,10 +6,10 @@
     <p:sldMasterId id="2147483684" r:id="rId2"/>
   </p:sldMasterIdLst>
   <p:notesMasterIdLst>
-    <p:notesMasterId r:id="rId10"/>
+    <p:notesMasterId r:id="rId11"/>
   </p:notesMasterIdLst>
   <p:handoutMasterIdLst>
-    <p:handoutMasterId r:id="rId11"/>
+    <p:handoutMasterId r:id="rId12"/>
   </p:handoutMasterIdLst>
   <p:sldIdLst>
     <p:sldId id="470" r:id="rId3"/>
@@ -18,7 +18,8 @@
     <p:sldId id="479" r:id="rId6"/>
     <p:sldId id="480" r:id="rId7"/>
     <p:sldId id="481" r:id="rId8"/>
-    <p:sldId id="478" r:id="rId9"/>
+    <p:sldId id="482" r:id="rId9"/>
+    <p:sldId id="478" r:id="rId10"/>
   </p:sldIdLst>
   <p:sldSz cx="9144000" cy="6858000" type="screen4x3"/>
   <p:notesSz cx="6858000" cy="9144000"/>
@@ -709,6 +710,872 @@
     </a:lvl9pPr>
   </p:notesStyle>
 </p:notesMaster>
+</file>
+
+<file path=ppt/notesSlides/notesSlide1.xml><?xml version="1.0" encoding="utf-8"?>
+<p:notes xmlns:a="http://schemas.openxmlformats.org/drawingml/2006/main" xmlns:r="http://schemas.openxmlformats.org/officeDocument/2006/relationships" xmlns:p="http://schemas.openxmlformats.org/presentationml/2006/main">
+  <p:cSld>
+    <p:spTree>
+      <p:nvGrpSpPr>
+        <p:cNvPr id="1" name=""/>
+        <p:cNvGrpSpPr/>
+        <p:nvPr/>
+      </p:nvGrpSpPr>
+      <p:grpSpPr>
+        <a:xfrm>
+          <a:off x="0" y="0"/>
+          <a:ext cx="0" cy="0"/>
+          <a:chOff x="0" y="0"/>
+          <a:chExt cx="0" cy="0"/>
+        </a:xfrm>
+      </p:grpSpPr>
+      <p:sp>
+        <p:nvSpPr>
+          <p:cNvPr id="2" name="슬라이드 이미지 개체 틀 1"/>
+          <p:cNvSpPr>
+            <a:spLocks noGrp="1" noRot="1" noChangeAspect="1"/>
+          </p:cNvSpPr>
+          <p:nvPr>
+            <p:ph type="sldImg"/>
+          </p:nvPr>
+        </p:nvSpPr>
+        <p:spPr/>
+      </p:sp>
+      <p:sp>
+        <p:nvSpPr>
+          <p:cNvPr id="3" name="슬라이드 노트 개체 틀 2"/>
+          <p:cNvSpPr>
+            <a:spLocks noGrp="1"/>
+          </p:cNvSpPr>
+          <p:nvPr>
+            <p:ph type="body" idx="1"/>
+          </p:nvPr>
+        </p:nvSpPr>
+        <p:spPr/>
+        <p:txBody>
+          <a:bodyPr/>
+          <a:lstStyle/>
+          <a:p>
+            <a:r>
+              <a:rPr lang="ko-KR" altLang="en-US" dirty="0"/>
+              <a:t>안녕하세요</a:t>
+            </a:r>
+            <a:r>
+              <a:rPr lang="en-US" altLang="ko-KR" dirty="0"/>
+              <a:t>.</a:t>
+            </a:r>
+          </a:p>
+          <a:p>
+            <a:endParaRPr lang="en-US" altLang="ko-KR" dirty="0"/>
+          </a:p>
+          <a:p>
+            <a:r>
+              <a:rPr lang="en-US" altLang="ko-KR" dirty="0"/>
+              <a:t>5</a:t>
+            </a:r>
+            <a:r>
+              <a:rPr lang="ko-KR" altLang="en-US" dirty="0"/>
+              <a:t>주차 디자인 패턴 스터디 발표자 김진환입니다</a:t>
+            </a:r>
+            <a:r>
+              <a:rPr lang="en-US" altLang="ko-KR" dirty="0"/>
+              <a:t>.</a:t>
+            </a:r>
+          </a:p>
+          <a:p>
+            <a:endParaRPr lang="en-US" altLang="ko-KR" dirty="0"/>
+          </a:p>
+          <a:p>
+            <a:r>
+              <a:rPr lang="ko-KR" altLang="en-US" dirty="0"/>
+              <a:t>그럼 </a:t>
+            </a:r>
+            <a:r>
+              <a:rPr lang="en-US" altLang="ko-KR" dirty="0"/>
+              <a:t>Memento</a:t>
+            </a:r>
+            <a:r>
+              <a:rPr lang="en-US" altLang="ko-KR" baseline="0" dirty="0"/>
+              <a:t> </a:t>
+            </a:r>
+            <a:r>
+              <a:rPr lang="ko-KR" altLang="en-US" baseline="0" dirty="0"/>
+              <a:t>패턴 소개 하겠습니다</a:t>
+            </a:r>
+            <a:r>
+              <a:rPr lang="en-US" altLang="ko-KR" baseline="0" dirty="0"/>
+              <a:t>.</a:t>
+            </a:r>
+            <a:endParaRPr lang="en-US" altLang="ko-KR" dirty="0"/>
+          </a:p>
+          <a:p>
+            <a:endParaRPr lang="en-US" altLang="ko-KR" dirty="0"/>
+          </a:p>
+          <a:p>
+            <a:endParaRPr lang="ko-KR" altLang="en-US" dirty="0"/>
+          </a:p>
+        </p:txBody>
+      </p:sp>
+      <p:sp>
+        <p:nvSpPr>
+          <p:cNvPr id="4" name="슬라이드 번호 개체 틀 3"/>
+          <p:cNvSpPr>
+            <a:spLocks noGrp="1"/>
+          </p:cNvSpPr>
+          <p:nvPr>
+            <p:ph type="sldNum" sz="quarter" idx="10"/>
+          </p:nvPr>
+        </p:nvSpPr>
+        <p:spPr/>
+        <p:txBody>
+          <a:bodyPr/>
+          <a:lstStyle/>
+          <a:p>
+            <a:fld id="{2CA3AB2B-189A-4C92-A457-C6A3833631A7}" type="slidenum">
+              <a:rPr lang="en-US" smtClean="0"/>
+              <a:pPr/>
+              <a:t>1</a:t>
+            </a:fld>
+            <a:endParaRPr lang="en-US"/>
+          </a:p>
+        </p:txBody>
+      </p:sp>
+    </p:spTree>
+    <p:extLst>
+      <p:ext uri="{BB962C8B-B14F-4D97-AF65-F5344CB8AC3E}">
+        <p14:creationId xmlns:p14="http://schemas.microsoft.com/office/powerpoint/2010/main" val="191845634"/>
+      </p:ext>
+    </p:extLst>
+  </p:cSld>
+  <p:clrMapOvr>
+    <a:masterClrMapping/>
+  </p:clrMapOvr>
+</p:notes>
+</file>
+
+<file path=ppt/notesSlides/notesSlide2.xml><?xml version="1.0" encoding="utf-8"?>
+<p:notes xmlns:a="http://schemas.openxmlformats.org/drawingml/2006/main" xmlns:r="http://schemas.openxmlformats.org/officeDocument/2006/relationships" xmlns:p="http://schemas.openxmlformats.org/presentationml/2006/main">
+  <p:cSld>
+    <p:spTree>
+      <p:nvGrpSpPr>
+        <p:cNvPr id="1" name=""/>
+        <p:cNvGrpSpPr/>
+        <p:nvPr/>
+      </p:nvGrpSpPr>
+      <p:grpSpPr>
+        <a:xfrm>
+          <a:off x="0" y="0"/>
+          <a:ext cx="0" cy="0"/>
+          <a:chOff x="0" y="0"/>
+          <a:chExt cx="0" cy="0"/>
+        </a:xfrm>
+      </p:grpSpPr>
+      <p:sp>
+        <p:nvSpPr>
+          <p:cNvPr id="2" name="슬라이드 이미지 개체 틀 1"/>
+          <p:cNvSpPr>
+            <a:spLocks noGrp="1" noRot="1" noChangeAspect="1"/>
+          </p:cNvSpPr>
+          <p:nvPr>
+            <p:ph type="sldImg"/>
+          </p:nvPr>
+        </p:nvSpPr>
+        <p:spPr/>
+      </p:sp>
+      <p:sp>
+        <p:nvSpPr>
+          <p:cNvPr id="3" name="슬라이드 노트 개체 틀 2"/>
+          <p:cNvSpPr>
+            <a:spLocks noGrp="1"/>
+          </p:cNvSpPr>
+          <p:nvPr>
+            <p:ph type="body" idx="1"/>
+          </p:nvPr>
+        </p:nvSpPr>
+        <p:spPr/>
+        <p:txBody>
+          <a:bodyPr/>
+          <a:lstStyle/>
+          <a:p>
+            <a:r>
+              <a:rPr lang="en-US" altLang="ko-KR" dirty="0"/>
+              <a:t>Memento</a:t>
+            </a:r>
+            <a:r>
+              <a:rPr lang="ko-KR" altLang="en-US" dirty="0"/>
+              <a:t>란 무엇인가</a:t>
+            </a:r>
+            <a:r>
+              <a:rPr lang="en-US" altLang="ko-KR" dirty="0"/>
+              <a:t>?</a:t>
+            </a:r>
+          </a:p>
+          <a:p>
+            <a:endParaRPr lang="en-US" altLang="ko-KR" dirty="0"/>
+          </a:p>
+          <a:p>
+            <a:r>
+              <a:rPr lang="ko-KR" altLang="en-US" dirty="0"/>
+              <a:t>사전적 의미로는 기념품</a:t>
+            </a:r>
+            <a:r>
+              <a:rPr lang="en-US" altLang="ko-KR" dirty="0"/>
+              <a:t>, </a:t>
+            </a:r>
+            <a:r>
+              <a:rPr lang="ko-KR" altLang="en-US" dirty="0"/>
+              <a:t>유품</a:t>
+            </a:r>
+            <a:r>
+              <a:rPr lang="en-US" altLang="ko-KR" dirty="0"/>
+              <a:t>, </a:t>
+            </a:r>
+            <a:r>
+              <a:rPr lang="ko-KR" altLang="en-US" dirty="0"/>
+              <a:t>추억거리 라는 뜻이 있습니다</a:t>
+            </a:r>
+            <a:r>
+              <a:rPr lang="en-US" altLang="ko-KR" dirty="0"/>
+              <a:t>.</a:t>
+            </a:r>
+          </a:p>
+          <a:p>
+            <a:endParaRPr lang="en-US" altLang="ko-KR" dirty="0"/>
+          </a:p>
+          <a:p>
+            <a:endParaRPr lang="en-US" altLang="ko-KR" dirty="0"/>
+          </a:p>
+          <a:p>
+            <a:endParaRPr lang="en-US" altLang="ko-KR" dirty="0"/>
+          </a:p>
+          <a:p>
+            <a:r>
+              <a:rPr lang="ko-KR" altLang="en-US" dirty="0"/>
+              <a:t>객체의 이전 상태를 복원해야 할 때가 있습니다</a:t>
+            </a:r>
+            <a:r>
+              <a:rPr lang="en-US" altLang="ko-KR" dirty="0"/>
+              <a:t>. </a:t>
+            </a:r>
+          </a:p>
+          <a:p>
+            <a:r>
+              <a:rPr lang="ko-KR" altLang="en-US" dirty="0"/>
+              <a:t>예를 들어 문서나 그림을 편집 할</a:t>
+            </a:r>
+            <a:r>
+              <a:rPr lang="ko-KR" altLang="en-US" baseline="0" dirty="0"/>
+              <a:t> 경우 이전의 상태로 </a:t>
+            </a:r>
+            <a:endParaRPr lang="en-US" altLang="ko-KR" baseline="0" dirty="0"/>
+          </a:p>
+          <a:p>
+            <a:r>
+              <a:rPr lang="ko-KR" altLang="en-US" baseline="0" dirty="0"/>
+              <a:t>되돌려야 하는 상황이 발생할 수 있습니다</a:t>
+            </a:r>
+            <a:r>
+              <a:rPr lang="en-US" altLang="ko-KR" baseline="0" dirty="0"/>
+              <a:t>.</a:t>
+            </a:r>
+          </a:p>
+          <a:p>
+            <a:endParaRPr lang="en-US" altLang="ko-KR" baseline="0" dirty="0"/>
+          </a:p>
+          <a:p>
+            <a:endParaRPr lang="en-US" altLang="ko-KR" dirty="0"/>
+          </a:p>
+        </p:txBody>
+      </p:sp>
+      <p:sp>
+        <p:nvSpPr>
+          <p:cNvPr id="4" name="슬라이드 번호 개체 틀 3"/>
+          <p:cNvSpPr>
+            <a:spLocks noGrp="1"/>
+          </p:cNvSpPr>
+          <p:nvPr>
+            <p:ph type="sldNum" sz="quarter" idx="10"/>
+          </p:nvPr>
+        </p:nvSpPr>
+        <p:spPr/>
+        <p:txBody>
+          <a:bodyPr/>
+          <a:lstStyle/>
+          <a:p>
+            <a:fld id="{2CA3AB2B-189A-4C92-A457-C6A3833631A7}" type="slidenum">
+              <a:rPr lang="en-US" smtClean="0"/>
+              <a:pPr/>
+              <a:t>2</a:t>
+            </a:fld>
+            <a:endParaRPr lang="en-US"/>
+          </a:p>
+        </p:txBody>
+      </p:sp>
+    </p:spTree>
+    <p:extLst>
+      <p:ext uri="{BB962C8B-B14F-4D97-AF65-F5344CB8AC3E}">
+        <p14:creationId xmlns:p14="http://schemas.microsoft.com/office/powerpoint/2010/main" val="175165788"/>
+      </p:ext>
+    </p:extLst>
+  </p:cSld>
+  <p:clrMapOvr>
+    <a:masterClrMapping/>
+  </p:clrMapOvr>
+</p:notes>
+</file>
+
+<file path=ppt/notesSlides/notesSlide3.xml><?xml version="1.0" encoding="utf-8"?>
+<p:notes xmlns:a="http://schemas.openxmlformats.org/drawingml/2006/main" xmlns:r="http://schemas.openxmlformats.org/officeDocument/2006/relationships" xmlns:p="http://schemas.openxmlformats.org/presentationml/2006/main">
+  <p:cSld>
+    <p:spTree>
+      <p:nvGrpSpPr>
+        <p:cNvPr id="1" name=""/>
+        <p:cNvGrpSpPr/>
+        <p:nvPr/>
+      </p:nvGrpSpPr>
+      <p:grpSpPr>
+        <a:xfrm>
+          <a:off x="0" y="0"/>
+          <a:ext cx="0" cy="0"/>
+          <a:chOff x="0" y="0"/>
+          <a:chExt cx="0" cy="0"/>
+        </a:xfrm>
+      </p:grpSpPr>
+      <p:sp>
+        <p:nvSpPr>
+          <p:cNvPr id="2" name="슬라이드 이미지 개체 틀 1"/>
+          <p:cNvSpPr>
+            <a:spLocks noGrp="1" noRot="1" noChangeAspect="1"/>
+          </p:cNvSpPr>
+          <p:nvPr>
+            <p:ph type="sldImg"/>
+          </p:nvPr>
+        </p:nvSpPr>
+        <p:spPr/>
+      </p:sp>
+      <p:sp>
+        <p:nvSpPr>
+          <p:cNvPr id="3" name="슬라이드 노트 개체 틀 2"/>
+          <p:cNvSpPr>
+            <a:spLocks noGrp="1"/>
+          </p:cNvSpPr>
+          <p:nvPr>
+            <p:ph type="body" idx="1"/>
+          </p:nvPr>
+        </p:nvSpPr>
+        <p:spPr/>
+        <p:txBody>
+          <a:bodyPr/>
+          <a:lstStyle/>
+          <a:p>
+            <a:r>
+              <a:rPr lang="ko-KR" altLang="en-US" sz="1200" b="0" i="0" kern="1200" dirty="0">
+                <a:solidFill>
+                  <a:schemeClr val="tx1"/>
+                </a:solidFill>
+                <a:effectLst/>
+                <a:latin typeface="+mn-lt"/>
+                <a:ea typeface="+mn-ea"/>
+                <a:cs typeface="+mn-cs"/>
+              </a:rPr>
+              <a:t>내부상태정보를 직접 접근하지 않으면서도 </a:t>
+            </a:r>
+            <a:r>
+              <a:rPr lang="en-US" altLang="ko-KR" sz="1200" b="0" i="0" kern="1200" dirty="0">
+                <a:solidFill>
+                  <a:schemeClr val="tx1"/>
+                </a:solidFill>
+                <a:effectLst/>
+                <a:latin typeface="+mn-lt"/>
+                <a:ea typeface="+mn-ea"/>
+                <a:cs typeface="+mn-cs"/>
+              </a:rPr>
+              <a:t>Memento </a:t>
+            </a:r>
+            <a:r>
+              <a:rPr lang="ko-KR" altLang="en-US" sz="1200" b="0" i="0" kern="1200" dirty="0">
+                <a:solidFill>
+                  <a:schemeClr val="tx1"/>
+                </a:solidFill>
+                <a:effectLst/>
+                <a:latin typeface="+mn-lt"/>
+                <a:ea typeface="+mn-ea"/>
+                <a:cs typeface="+mn-cs"/>
+              </a:rPr>
+              <a:t>객체를 이용하여 </a:t>
+            </a:r>
+            <a:r>
+              <a:rPr lang="en-US" altLang="ko-KR" sz="1200" b="0" i="0" kern="1200" dirty="0">
+                <a:solidFill>
+                  <a:schemeClr val="tx1"/>
+                </a:solidFill>
+                <a:effectLst/>
+                <a:latin typeface="+mn-lt"/>
+                <a:ea typeface="+mn-ea"/>
+                <a:cs typeface="+mn-cs"/>
+              </a:rPr>
+              <a:t>Originator</a:t>
+            </a:r>
+            <a:r>
+              <a:rPr lang="ko-KR" altLang="en-US" sz="1200" b="0" i="0" kern="1200" dirty="0">
+                <a:solidFill>
+                  <a:schemeClr val="tx1"/>
+                </a:solidFill>
+                <a:effectLst/>
+                <a:latin typeface="+mn-lt"/>
+                <a:ea typeface="+mn-ea"/>
+                <a:cs typeface="+mn-cs"/>
+              </a:rPr>
+              <a:t>를 예전 상태로 복원할 수 있습니다</a:t>
+            </a:r>
+            <a:r>
+              <a:rPr lang="en-US" altLang="ko-KR" sz="1200" b="0" i="0" kern="1200" dirty="0">
+                <a:solidFill>
+                  <a:schemeClr val="tx1"/>
+                </a:solidFill>
+                <a:effectLst/>
+                <a:latin typeface="+mn-lt"/>
+                <a:ea typeface="+mn-ea"/>
+                <a:cs typeface="+mn-cs"/>
+              </a:rPr>
+              <a:t>.</a:t>
+            </a:r>
+          </a:p>
+          <a:p>
+            <a:endParaRPr lang="en-US" altLang="ko-KR" sz="1200" b="0" i="0" kern="1200" dirty="0">
+              <a:solidFill>
+                <a:schemeClr val="tx1"/>
+              </a:solidFill>
+              <a:effectLst/>
+              <a:latin typeface="+mn-lt"/>
+              <a:ea typeface="+mn-ea"/>
+              <a:cs typeface="+mn-cs"/>
+            </a:endParaRPr>
+          </a:p>
+          <a:p>
+            <a:endParaRPr lang="en-US" altLang="ko-KR" sz="1200" b="0" i="0" kern="1200" dirty="0">
+              <a:solidFill>
+                <a:schemeClr val="tx1"/>
+              </a:solidFill>
+              <a:effectLst/>
+              <a:latin typeface="+mn-lt"/>
+              <a:ea typeface="+mn-ea"/>
+              <a:cs typeface="+mn-cs"/>
+            </a:endParaRPr>
+          </a:p>
+          <a:p>
+            <a:r>
+              <a:rPr lang="en-US" altLang="ko-KR" sz="1200" b="0" i="0" kern="1200" dirty="0" err="1">
+                <a:solidFill>
+                  <a:schemeClr val="tx1"/>
+                </a:solidFill>
+                <a:effectLst/>
+                <a:latin typeface="+mn-lt"/>
+                <a:ea typeface="+mn-ea"/>
+                <a:cs typeface="+mn-cs"/>
+              </a:rPr>
+              <a:t>CreateMemento</a:t>
+            </a:r>
+            <a:r>
+              <a:rPr lang="en-US" altLang="ko-KR" sz="1200" b="0" i="0" kern="1200" dirty="0">
+                <a:solidFill>
+                  <a:schemeClr val="tx1"/>
+                </a:solidFill>
+                <a:effectLst/>
+                <a:latin typeface="+mn-lt"/>
+                <a:ea typeface="+mn-ea"/>
+                <a:cs typeface="+mn-cs"/>
+              </a:rPr>
+              <a:t>(): </a:t>
+            </a:r>
+            <a:r>
+              <a:rPr lang="ko-KR" altLang="en-US" sz="1200" b="0" i="0" kern="1200" dirty="0">
+                <a:solidFill>
+                  <a:schemeClr val="tx1"/>
+                </a:solidFill>
+                <a:effectLst/>
+                <a:latin typeface="+mn-lt"/>
+                <a:ea typeface="+mn-ea"/>
+                <a:cs typeface="+mn-cs"/>
+              </a:rPr>
+              <a:t>내부 정보를 외부 객체</a:t>
+            </a:r>
+            <a:r>
+              <a:rPr lang="en-US" altLang="ko-KR" sz="1200" b="0" i="0" kern="1200" dirty="0">
+                <a:solidFill>
+                  <a:schemeClr val="tx1"/>
+                </a:solidFill>
+                <a:effectLst/>
+                <a:latin typeface="+mn-lt"/>
+                <a:ea typeface="+mn-ea"/>
+                <a:cs typeface="+mn-cs"/>
+              </a:rPr>
+              <a:t>(Memento)</a:t>
+            </a:r>
+            <a:r>
+              <a:rPr lang="ko-KR" altLang="en-US" sz="1200" b="0" i="0" kern="1200" dirty="0">
+                <a:solidFill>
+                  <a:schemeClr val="tx1"/>
+                </a:solidFill>
+                <a:effectLst/>
+                <a:latin typeface="+mn-lt"/>
+                <a:ea typeface="+mn-ea"/>
+                <a:cs typeface="+mn-cs"/>
+              </a:rPr>
+              <a:t>화</a:t>
+            </a:r>
+          </a:p>
+          <a:p>
+            <a:r>
+              <a:rPr lang="en-US" altLang="ko-KR" sz="1200" b="0" i="0" kern="1200" dirty="0" err="1">
+                <a:solidFill>
+                  <a:schemeClr val="tx1"/>
+                </a:solidFill>
+                <a:effectLst/>
+                <a:latin typeface="+mn-lt"/>
+                <a:ea typeface="+mn-ea"/>
+                <a:cs typeface="+mn-cs"/>
+              </a:rPr>
+              <a:t>SetMemento</a:t>
+            </a:r>
+            <a:r>
+              <a:rPr lang="en-US" altLang="ko-KR" sz="1200" b="0" i="0" kern="1200" dirty="0">
+                <a:solidFill>
+                  <a:schemeClr val="tx1"/>
+                </a:solidFill>
+                <a:effectLst/>
+                <a:latin typeface="+mn-lt"/>
+                <a:ea typeface="+mn-ea"/>
+                <a:cs typeface="+mn-cs"/>
+              </a:rPr>
+              <a:t>(Memento *m): m</a:t>
+            </a:r>
+            <a:r>
+              <a:rPr lang="ko-KR" altLang="en-US" sz="1200" b="0" i="0" kern="1200" dirty="0">
+                <a:solidFill>
+                  <a:schemeClr val="tx1"/>
+                </a:solidFill>
+                <a:effectLst/>
+                <a:latin typeface="+mn-lt"/>
+                <a:ea typeface="+mn-ea"/>
+                <a:cs typeface="+mn-cs"/>
+              </a:rPr>
+              <a:t>에 </a:t>
+            </a:r>
+            <a:r>
+              <a:rPr lang="ko-KR" altLang="en-US" sz="1200" b="0" i="0" kern="1200" dirty="0" err="1">
+                <a:solidFill>
+                  <a:schemeClr val="tx1"/>
+                </a:solidFill>
+                <a:effectLst/>
+                <a:latin typeface="+mn-lt"/>
+                <a:ea typeface="+mn-ea"/>
+                <a:cs typeface="+mn-cs"/>
+              </a:rPr>
+              <a:t>저장되어있는</a:t>
+            </a:r>
+            <a:r>
+              <a:rPr lang="ko-KR" altLang="en-US" sz="1200" b="0" i="0" kern="1200" dirty="0">
+                <a:solidFill>
+                  <a:schemeClr val="tx1"/>
+                </a:solidFill>
+                <a:effectLst/>
+                <a:latin typeface="+mn-lt"/>
+                <a:ea typeface="+mn-ea"/>
+                <a:cs typeface="+mn-cs"/>
+              </a:rPr>
+              <a:t> 상태로 복원</a:t>
+            </a:r>
+          </a:p>
+          <a:p>
+            <a:endParaRPr lang="ko-KR" altLang="en-US" dirty="0"/>
+          </a:p>
+        </p:txBody>
+      </p:sp>
+      <p:sp>
+        <p:nvSpPr>
+          <p:cNvPr id="4" name="슬라이드 번호 개체 틀 3"/>
+          <p:cNvSpPr>
+            <a:spLocks noGrp="1"/>
+          </p:cNvSpPr>
+          <p:nvPr>
+            <p:ph type="sldNum" sz="quarter" idx="10"/>
+          </p:nvPr>
+        </p:nvSpPr>
+        <p:spPr/>
+        <p:txBody>
+          <a:bodyPr/>
+          <a:lstStyle/>
+          <a:p>
+            <a:fld id="{2CA3AB2B-189A-4C92-A457-C6A3833631A7}" type="slidenum">
+              <a:rPr lang="en-US" smtClean="0"/>
+              <a:pPr/>
+              <a:t>3</a:t>
+            </a:fld>
+            <a:endParaRPr lang="en-US"/>
+          </a:p>
+        </p:txBody>
+      </p:sp>
+    </p:spTree>
+    <p:extLst>
+      <p:ext uri="{BB962C8B-B14F-4D97-AF65-F5344CB8AC3E}">
+        <p14:creationId xmlns:p14="http://schemas.microsoft.com/office/powerpoint/2010/main" val="3220970886"/>
+      </p:ext>
+    </p:extLst>
+  </p:cSld>
+  <p:clrMapOvr>
+    <a:masterClrMapping/>
+  </p:clrMapOvr>
+</p:notes>
+</file>
+
+<file path=ppt/notesSlides/notesSlide4.xml><?xml version="1.0" encoding="utf-8"?>
+<p:notes xmlns:a="http://schemas.openxmlformats.org/drawingml/2006/main" xmlns:r="http://schemas.openxmlformats.org/officeDocument/2006/relationships" xmlns:p="http://schemas.openxmlformats.org/presentationml/2006/main">
+  <p:cSld>
+    <p:spTree>
+      <p:nvGrpSpPr>
+        <p:cNvPr id="1" name=""/>
+        <p:cNvGrpSpPr/>
+        <p:nvPr/>
+      </p:nvGrpSpPr>
+      <p:grpSpPr>
+        <a:xfrm>
+          <a:off x="0" y="0"/>
+          <a:ext cx="0" cy="0"/>
+          <a:chOff x="0" y="0"/>
+          <a:chExt cx="0" cy="0"/>
+        </a:xfrm>
+      </p:grpSpPr>
+      <p:sp>
+        <p:nvSpPr>
+          <p:cNvPr id="2" name="슬라이드 이미지 개체 틀 1"/>
+          <p:cNvSpPr>
+            <a:spLocks noGrp="1" noRot="1" noChangeAspect="1"/>
+          </p:cNvSpPr>
+          <p:nvPr>
+            <p:ph type="sldImg"/>
+          </p:nvPr>
+        </p:nvSpPr>
+        <p:spPr/>
+      </p:sp>
+      <p:sp>
+        <p:nvSpPr>
+          <p:cNvPr id="3" name="슬라이드 노트 개체 틀 2"/>
+          <p:cNvSpPr>
+            <a:spLocks noGrp="1"/>
+          </p:cNvSpPr>
+          <p:nvPr>
+            <p:ph type="body" idx="1"/>
+          </p:nvPr>
+        </p:nvSpPr>
+        <p:spPr/>
+        <p:txBody>
+          <a:bodyPr/>
+          <a:lstStyle/>
+          <a:p>
+            <a:r>
+              <a:rPr lang="ko-KR" altLang="en-US" dirty="0"/>
+              <a:t>     * 바둑돌 배치</a:t>
+            </a:r>
+            <a:r>
+              <a:rPr lang="en-US" altLang="ko-KR" dirty="0"/>
+              <a:t>: </a:t>
+            </a:r>
+            <a:r>
+              <a:rPr lang="en-US" altLang="ko-KR" dirty="0" err="1"/>
+              <a:t>int</a:t>
+            </a:r>
+            <a:r>
+              <a:rPr lang="en-US" altLang="ko-KR" dirty="0"/>
+              <a:t> board[19][19]; </a:t>
+            </a:r>
+          </a:p>
+          <a:p>
+            <a:r>
+              <a:rPr lang="en-US" altLang="ko-KR" dirty="0"/>
+              <a:t>	// 0: none, -1: black, 1: white	</a:t>
+            </a:r>
+          </a:p>
+          <a:p>
+            <a:r>
+              <a:rPr lang="en-US" altLang="ko-KR" dirty="0"/>
+              <a:t>     * </a:t>
+            </a:r>
+            <a:r>
+              <a:rPr lang="ko-KR" altLang="en-US" dirty="0" err="1"/>
+              <a:t>흰돌</a:t>
+            </a:r>
+            <a:r>
+              <a:rPr lang="ko-KR" altLang="en-US" dirty="0"/>
+              <a:t> </a:t>
+            </a:r>
+            <a:r>
+              <a:rPr lang="ko-KR" altLang="en-US" dirty="0" err="1"/>
+              <a:t>사석수</a:t>
+            </a:r>
+            <a:r>
+              <a:rPr lang="en-US" altLang="ko-KR" dirty="0"/>
+              <a:t>: </a:t>
+            </a:r>
+            <a:r>
+              <a:rPr lang="en-US" altLang="ko-KR" dirty="0" err="1"/>
+              <a:t>int</a:t>
+            </a:r>
+            <a:r>
+              <a:rPr lang="en-US" altLang="ko-KR" dirty="0"/>
+              <a:t> </a:t>
+            </a:r>
+            <a:r>
+              <a:rPr lang="en-US" altLang="ko-KR" dirty="0" err="1"/>
+              <a:t>whiteDeadNum</a:t>
+            </a:r>
+            <a:r>
+              <a:rPr lang="en-US" altLang="ko-KR" dirty="0"/>
+              <a:t>;</a:t>
+            </a:r>
+          </a:p>
+          <a:p>
+            <a:r>
+              <a:rPr lang="en-US" altLang="ko-KR" dirty="0"/>
+              <a:t>     * </a:t>
+            </a:r>
+            <a:r>
+              <a:rPr lang="ko-KR" altLang="en-US" dirty="0" err="1"/>
+              <a:t>검은돌</a:t>
+            </a:r>
+            <a:r>
+              <a:rPr lang="ko-KR" altLang="en-US" dirty="0"/>
+              <a:t> </a:t>
+            </a:r>
+            <a:r>
+              <a:rPr lang="ko-KR" altLang="en-US" dirty="0" err="1"/>
+              <a:t>사석수</a:t>
+            </a:r>
+            <a:r>
+              <a:rPr lang="en-US" altLang="ko-KR" dirty="0"/>
+              <a:t>: </a:t>
+            </a:r>
+            <a:r>
+              <a:rPr lang="en-US" altLang="ko-KR" dirty="0" err="1"/>
+              <a:t>int</a:t>
+            </a:r>
+            <a:r>
+              <a:rPr lang="en-US" altLang="ko-KR" dirty="0"/>
+              <a:t> </a:t>
+            </a:r>
+            <a:r>
+              <a:rPr lang="en-US" altLang="ko-KR" dirty="0" err="1"/>
+              <a:t>blackDeadNum</a:t>
+            </a:r>
+            <a:r>
+              <a:rPr lang="en-US" altLang="ko-KR" dirty="0"/>
+              <a:t>;</a:t>
+            </a:r>
+          </a:p>
+          <a:p>
+            <a:r>
+              <a:rPr lang="en-US" altLang="ko-KR" dirty="0"/>
+              <a:t>     * </a:t>
+            </a:r>
+            <a:r>
+              <a:rPr lang="ko-KR" altLang="en-US" dirty="0"/>
+              <a:t>다음 둘 차례</a:t>
+            </a:r>
+            <a:r>
+              <a:rPr lang="en-US" altLang="ko-KR" dirty="0"/>
+              <a:t>: </a:t>
+            </a:r>
+            <a:r>
+              <a:rPr lang="en-US" altLang="ko-KR" dirty="0" err="1"/>
+              <a:t>int</a:t>
+            </a:r>
+            <a:r>
+              <a:rPr lang="en-US" altLang="ko-KR" dirty="0"/>
+              <a:t> </a:t>
+            </a:r>
+            <a:r>
+              <a:rPr lang="en-US" altLang="ko-KR" dirty="0" err="1"/>
+              <a:t>whoseTurn</a:t>
+            </a:r>
+            <a:r>
+              <a:rPr lang="en-US" altLang="ko-KR" dirty="0"/>
+              <a:t>; </a:t>
+            </a:r>
+          </a:p>
+          <a:p>
+            <a:r>
+              <a:rPr lang="en-US" altLang="ko-KR" dirty="0"/>
+              <a:t>	// -1:black's turn, 1: white's turn</a:t>
+            </a:r>
+          </a:p>
+          <a:p>
+            <a:r>
+              <a:rPr lang="en-US" altLang="ko-KR" dirty="0"/>
+              <a:t>     * </a:t>
+            </a:r>
+            <a:r>
+              <a:rPr lang="ko-KR" altLang="en-US" dirty="0"/>
+              <a:t>패 위치</a:t>
+            </a:r>
+            <a:r>
+              <a:rPr lang="en-US" altLang="ko-KR" dirty="0"/>
+              <a:t>: </a:t>
+            </a:r>
+            <a:r>
+              <a:rPr lang="en-US" altLang="ko-KR" dirty="0" err="1"/>
+              <a:t>paePosX</a:t>
+            </a:r>
+            <a:r>
+              <a:rPr lang="en-US" altLang="ko-KR" dirty="0"/>
+              <a:t>, </a:t>
+            </a:r>
+            <a:r>
+              <a:rPr lang="en-US" altLang="ko-KR" dirty="0" err="1"/>
+              <a:t>paePosY</a:t>
+            </a:r>
+            <a:r>
+              <a:rPr lang="en-US" altLang="ko-KR" dirty="0"/>
+              <a:t>;</a:t>
+            </a:r>
+            <a:endParaRPr lang="ko-KR" altLang="en-US" dirty="0"/>
+          </a:p>
+        </p:txBody>
+      </p:sp>
+      <p:sp>
+        <p:nvSpPr>
+          <p:cNvPr id="4" name="슬라이드 번호 개체 틀 3"/>
+          <p:cNvSpPr>
+            <a:spLocks noGrp="1"/>
+          </p:cNvSpPr>
+          <p:nvPr>
+            <p:ph type="sldNum" sz="quarter" idx="10"/>
+          </p:nvPr>
+        </p:nvSpPr>
+        <p:spPr/>
+        <p:txBody>
+          <a:bodyPr/>
+          <a:lstStyle/>
+          <a:p>
+            <a:fld id="{2CA3AB2B-189A-4C92-A457-C6A3833631A7}" type="slidenum">
+              <a:rPr lang="en-US" smtClean="0"/>
+              <a:pPr/>
+              <a:t>5</a:t>
+            </a:fld>
+            <a:endParaRPr lang="en-US"/>
+          </a:p>
+        </p:txBody>
+      </p:sp>
+    </p:spTree>
+    <p:extLst>
+      <p:ext uri="{BB962C8B-B14F-4D97-AF65-F5344CB8AC3E}">
+        <p14:creationId xmlns:p14="http://schemas.microsoft.com/office/powerpoint/2010/main" val="887810611"/>
+      </p:ext>
+    </p:extLst>
+  </p:cSld>
+  <p:clrMapOvr>
+    <a:masterClrMapping/>
+  </p:clrMapOvr>
+</p:notes>
 </file>
 
 <file path=ppt/slideLayouts/slideLayout1.xml><?xml version="1.0" encoding="utf-8"?>
@@ -4868,7 +5735,9 @@
         </p:nvSpPr>
         <p:spPr/>
         <p:txBody>
-          <a:bodyPr/>
+          <a:bodyPr>
+            <a:normAutofit/>
+          </a:bodyPr>
           <a:lstStyle/>
           <a:p>
             <a:r>
@@ -4924,6 +5793,21 @@
           <a:p>
             <a:r>
               <a:rPr lang="ko-KR" altLang="en-US" dirty="0"/>
+              <a:t>바둑</a:t>
+            </a:r>
+            <a:r>
+              <a:rPr lang="en-US" altLang="ko-KR" dirty="0"/>
+              <a:t>, </a:t>
+            </a:r>
+            <a:r>
+              <a:rPr lang="ko-KR" altLang="en-US" dirty="0"/>
+              <a:t>장기 무르기</a:t>
+            </a:r>
+            <a:endParaRPr lang="en-US" altLang="ko-KR" dirty="0"/>
+          </a:p>
+          <a:p>
+            <a:r>
+              <a:rPr lang="ko-KR" altLang="en-US" dirty="0"/>
               <a:t>어떤 시점의 인스턴스의 상태를 기록</a:t>
             </a:r>
             <a:endParaRPr lang="en-US" altLang="ko-KR" dirty="0"/>
@@ -4939,21 +5823,9 @@
             </a:r>
           </a:p>
           <a:p>
-            <a:r>
-              <a:rPr lang="ko-KR" altLang="en-US" dirty="0"/>
-              <a:t>바둑</a:t>
-            </a:r>
-            <a:r>
-              <a:rPr lang="en-US" altLang="ko-KR" dirty="0"/>
-              <a:t>, </a:t>
-            </a:r>
-            <a:r>
-              <a:rPr lang="ko-KR" altLang="en-US" dirty="0"/>
-              <a:t>장기 무르기</a:t>
-            </a:r>
-            <a:endParaRPr lang="en-US" altLang="ko-KR" dirty="0"/>
-          </a:p>
-          <a:p>
+            <a:pPr marL="0" indent="0">
+              <a:buNone/>
+            </a:pPr>
             <a:endParaRPr lang="en-US" altLang="ko-KR" dirty="0"/>
           </a:p>
           <a:p>
@@ -5097,6 +5969,19 @@
               <a:rPr lang="ko-KR" altLang="en-US" sz="1600" dirty="0"/>
               <a:t>의 상태를 저장 보관</a:t>
             </a:r>
+            <a:r>
+              <a:rPr lang="en-US" altLang="ko-KR" sz="1600" dirty="0"/>
+              <a:t>(</a:t>
+            </a:r>
+            <a:r>
+              <a:rPr lang="ko-KR" altLang="en-US" sz="1600" dirty="0"/>
+              <a:t>관리</a:t>
+            </a:r>
+            <a:r>
+              <a:rPr lang="en-US" altLang="ko-KR" sz="1600" dirty="0"/>
+              <a:t>)</a:t>
+            </a:r>
+            <a:endParaRPr lang="ko-KR" altLang="en-US" sz="1600" dirty="0"/>
           </a:p>
         </p:txBody>
       </p:sp>
@@ -5135,7 +6020,7 @@
           <p:nvPr/>
         </p:nvPicPr>
         <p:blipFill>
-          <a:blip r:embed="rId2"/>
+          <a:blip r:embed="rId3"/>
           <a:stretch>
             <a:fillRect/>
           </a:stretch>
@@ -5292,7 +6177,7 @@
           <p:nvPr/>
         </p:nvPicPr>
         <p:blipFill>
-          <a:blip r:embed="rId2"/>
+          <a:blip r:embed="rId3"/>
           <a:stretch>
             <a:fillRect/>
           </a:stretch>
@@ -5316,7 +6201,7 @@
           <p:nvPr/>
         </p:nvPicPr>
         <p:blipFill>
-          <a:blip r:embed="rId3"/>
+          <a:blip r:embed="rId4"/>
           <a:stretch>
             <a:fillRect/>
           </a:stretch>
@@ -5554,6 +6439,138 @@
             <p:ph idx="1"/>
           </p:nvPr>
         </p:nvSpPr>
+        <p:spPr/>
+        <p:txBody>
+          <a:bodyPr/>
+          <a:lstStyle/>
+          <a:p>
+            <a:r>
+              <a:rPr lang="ko-KR" altLang="en-US" dirty="0"/>
+              <a:t>장점</a:t>
+            </a:r>
+            <a:endParaRPr lang="en-US" altLang="ko-KR" dirty="0"/>
+          </a:p>
+          <a:p>
+            <a:pPr lvl="1"/>
+            <a:r>
+              <a:rPr lang="ko-KR" altLang="en-US" dirty="0"/>
+              <a:t>캡슐화 범위 안으로 유지</a:t>
+            </a:r>
+            <a:endParaRPr lang="en-US" altLang="ko-KR" dirty="0"/>
+          </a:p>
+          <a:p>
+            <a:pPr lvl="1"/>
+            <a:r>
+              <a:rPr lang="ko-KR" altLang="en-US" dirty="0"/>
+              <a:t>특정 시점의 상태정보르 복원되기 위해 저장</a:t>
+            </a:r>
+            <a:endParaRPr lang="en-US" altLang="ko-KR" dirty="0"/>
+          </a:p>
+          <a:p>
+            <a:pPr marL="457200" lvl="1" indent="0">
+              <a:buNone/>
+            </a:pPr>
+            <a:endParaRPr lang="en-US" altLang="ko-KR" dirty="0"/>
+          </a:p>
+          <a:p>
+            <a:r>
+              <a:rPr lang="ko-KR" altLang="en-US" dirty="0"/>
+              <a:t>단점</a:t>
+            </a:r>
+            <a:endParaRPr lang="en-US" altLang="ko-KR" dirty="0"/>
+          </a:p>
+          <a:p>
+            <a:pPr lvl="1"/>
+            <a:r>
+              <a:rPr lang="ko-KR" altLang="en-US" dirty="0"/>
+              <a:t>특히 상태정보가 많거나</a:t>
+            </a:r>
+            <a:r>
+              <a:rPr lang="en-US" altLang="ko-KR" dirty="0"/>
+              <a:t>, </a:t>
+            </a:r>
+            <a:r>
+              <a:rPr lang="ko-KR" altLang="en-US" dirty="0"/>
+              <a:t>자주 </a:t>
+            </a:r>
+            <a:r>
+              <a:rPr lang="ko-KR" altLang="en-US" dirty="0" err="1"/>
+              <a:t>생성될경우</a:t>
+            </a:r>
+            <a:endParaRPr lang="en-US" altLang="ko-KR" dirty="0"/>
+          </a:p>
+          <a:p>
+            <a:pPr lvl="1"/>
+            <a:endParaRPr lang="ko-KR" altLang="en-US" dirty="0"/>
+          </a:p>
+        </p:txBody>
+      </p:sp>
+      <p:sp>
+        <p:nvSpPr>
+          <p:cNvPr id="3" name="제목 2"/>
+          <p:cNvSpPr>
+            <a:spLocks noGrp="1"/>
+          </p:cNvSpPr>
+          <p:nvPr>
+            <p:ph type="title"/>
+          </p:nvPr>
+        </p:nvSpPr>
+        <p:spPr/>
+        <p:txBody>
+          <a:bodyPr/>
+          <a:lstStyle/>
+          <a:p>
+            <a:r>
+              <a:rPr lang="en-US" altLang="ko-KR" dirty="0"/>
+              <a:t>Memento </a:t>
+            </a:r>
+            <a:r>
+              <a:rPr lang="ko-KR" altLang="en-US" dirty="0"/>
+              <a:t>패턴 </a:t>
+            </a:r>
+          </a:p>
+        </p:txBody>
+      </p:sp>
+    </p:spTree>
+    <p:extLst>
+      <p:ext uri="{BB962C8B-B14F-4D97-AF65-F5344CB8AC3E}">
+        <p14:creationId xmlns:p14="http://schemas.microsoft.com/office/powerpoint/2010/main" val="2105806579"/>
+      </p:ext>
+    </p:extLst>
+  </p:cSld>
+  <p:clrMapOvr>
+    <a:masterClrMapping/>
+  </p:clrMapOvr>
+</p:sld>
+</file>
+
+<file path=ppt/slides/slide8.xml><?xml version="1.0" encoding="utf-8"?>
+<p:sld xmlns:a="http://schemas.openxmlformats.org/drawingml/2006/main" xmlns:r="http://schemas.openxmlformats.org/officeDocument/2006/relationships" xmlns:p="http://schemas.openxmlformats.org/presentationml/2006/main">
+  <p:cSld>
+    <p:spTree>
+      <p:nvGrpSpPr>
+        <p:cNvPr id="1" name=""/>
+        <p:cNvGrpSpPr/>
+        <p:nvPr/>
+      </p:nvGrpSpPr>
+      <p:grpSpPr>
+        <a:xfrm>
+          <a:off x="0" y="0"/>
+          <a:ext cx="0" cy="0"/>
+          <a:chOff x="0" y="0"/>
+          <a:chExt cx="0" cy="0"/>
+        </a:xfrm>
+      </p:grpSpPr>
+      <p:sp>
+        <p:nvSpPr>
+          <p:cNvPr id="2" name="내용 개체 틀 1"/>
+          <p:cNvSpPr>
+            <a:spLocks noGrp="1"/>
+          </p:cNvSpPr>
+          <p:nvPr>
+            <p:ph idx="1"/>
+          </p:nvPr>
+        </p:nvSpPr>
         <p:spPr>
           <a:xfrm>
             <a:off x="1714480" y="2636912"/>
@@ -5586,6 +6603,13 @@
               <a:t>이렇게 활용한다</a:t>
             </a:r>
             <a:endParaRPr lang="en-US" altLang="ko-KR" dirty="0"/>
+          </a:p>
+          <a:p>
+            <a:pPr lvl="1"/>
+            <a:r>
+              <a:rPr lang="en-US" altLang="ko-KR" dirty="0"/>
+              <a:t>Visual Studio 2015 Dark + MFC</a:t>
+            </a:r>
           </a:p>
           <a:p>
             <a:pPr lvl="1"/>

--- a/5th Sutdy/Memento/Memento.pptx
+++ b/5th Sutdy/Memento/Memento.pptx
@@ -1372,6 +1372,63 @@
         <p:txBody>
           <a:bodyPr/>
           <a:lstStyle/>
+          <a:p>
+            <a:pPr marL="0" marR="0" lvl="0" indent="0" algn="l" defTabSz="914400" rtl="0" eaLnBrk="1" fontAlgn="auto" latinLnBrk="0" hangingPunct="1">
+              <a:lnSpc>
+                <a:spcPct val="100000"/>
+              </a:lnSpc>
+              <a:spcBef>
+                <a:spcPts val="0"/>
+              </a:spcBef>
+              <a:spcAft>
+                <a:spcPts val="0"/>
+              </a:spcAft>
+              <a:buClrTx/>
+              <a:buSzTx/>
+              <a:buFontTx/>
+              <a:buNone/>
+              <a:tabLst/>
+              <a:defRPr/>
+            </a:pPr>
+            <a:r>
+              <a:rPr lang="en-US" altLang="ko-KR" dirty="0" err="1"/>
+              <a:t>Gof</a:t>
+            </a:r>
+            <a:r>
+              <a:rPr lang="en-US" altLang="ko-KR" dirty="0"/>
+              <a:t> </a:t>
+            </a:r>
+            <a:r>
+              <a:rPr lang="ko-KR" altLang="en-US" dirty="0"/>
+              <a:t>디자인 패턴</a:t>
+            </a:r>
+            <a:r>
+              <a:rPr lang="en-US" altLang="ko-KR" dirty="0"/>
+              <a:t>! </a:t>
+            </a:r>
+            <a:r>
+              <a:rPr lang="ko-KR" altLang="en-US" dirty="0"/>
+              <a:t>이렇게 </a:t>
+            </a:r>
+            <a:r>
+              <a:rPr lang="ko-KR" altLang="en-US" dirty="0" err="1"/>
+              <a:t>활용한다에서</a:t>
+            </a:r>
+            <a:r>
+              <a:rPr lang="ko-KR" altLang="en-US" dirty="0"/>
+              <a:t> 참조 하였습니다</a:t>
+            </a:r>
+            <a:r>
+              <a:rPr lang="en-US" altLang="ko-KR" dirty="0"/>
+              <a:t>.</a:t>
+            </a:r>
+          </a:p>
+          <a:p>
+            <a:endParaRPr lang="en-US" altLang="ko-KR" dirty="0"/>
+          </a:p>
+          <a:p>
+            <a:endParaRPr lang="en-US" altLang="ko-KR" dirty="0"/>
+          </a:p>
           <a:p>
             <a:r>
               <a:rPr lang="ko-KR" altLang="en-US" dirty="0"/>

--- a/5th Sutdy/Memento/Memento.pptx
+++ b/5th Sutdy/Memento/Memento.pptx
@@ -274,7 +274,7 @@
             <a:fld id="{EA33B4B9-AFB0-43EB-82AF-ED70AC262E4F}" type="datetimeFigureOut">
               <a:rPr lang="en-US" smtClean="0"/>
               <a:pPr/>
-              <a:t>9/29/2016</a:t>
+              <a:t>10/1/2016</a:t>
             </a:fld>
             <a:endParaRPr lang="en-US"/>
           </a:p>
@@ -442,7 +442,7 @@
             <a:fld id="{3D31E77A-DD07-4A76-801D-B4BF4990C412}" type="datetimeFigureOut">
               <a:rPr lang="en-US" smtClean="0"/>
               <a:pPr/>
-              <a:t>9/29/2016</a:t>
+              <a:t>10/1/2016</a:t>
             </a:fld>
             <a:endParaRPr lang="en-US"/>
           </a:p>
@@ -2026,7 +2026,7 @@
             <a:fld id="{86799209-1D57-4852-A270-9062740836F5}" type="datetimeFigureOut">
               <a:rPr lang="fr-FR" smtClean="0"/>
               <a:pPr/>
-              <a:t>29/09/2016</a:t>
+              <a:t>01/10/2016</a:t>
             </a:fld>
             <a:endParaRPr lang="en-US"/>
           </a:p>
@@ -2191,7 +2191,7 @@
             <a:fld id="{86799209-1D57-4852-A270-9062740836F5}" type="datetimeFigureOut">
               <a:rPr lang="fr-FR" smtClean="0"/>
               <a:pPr/>
-              <a:t>29/09/2016</a:t>
+              <a:t>01/10/2016</a:t>
             </a:fld>
             <a:endParaRPr lang="en-US"/>
           </a:p>
@@ -2366,7 +2366,7 @@
             <a:fld id="{86799209-1D57-4852-A270-9062740836F5}" type="datetimeFigureOut">
               <a:rPr lang="fr-FR" smtClean="0"/>
               <a:pPr/>
-              <a:t>29/09/2016</a:t>
+              <a:t>01/10/2016</a:t>
             </a:fld>
             <a:endParaRPr lang="en-US"/>
           </a:p>
@@ -3042,7 +3042,7 @@
             <a:fld id="{86799209-1D57-4852-A270-9062740836F5}" type="datetimeFigureOut">
               <a:rPr lang="fr-FR" smtClean="0"/>
               <a:pPr/>
-              <a:t>29/09/2016</a:t>
+              <a:t>01/10/2016</a:t>
             </a:fld>
             <a:endParaRPr lang="en-US"/>
           </a:p>
@@ -3284,7 +3284,7 @@
             <a:fld id="{86799209-1D57-4852-A270-9062740836F5}" type="datetimeFigureOut">
               <a:rPr lang="fr-FR" smtClean="0"/>
               <a:pPr/>
-              <a:t>29/09/2016</a:t>
+              <a:t>01/10/2016</a:t>
             </a:fld>
             <a:endParaRPr lang="en-US"/>
           </a:p>
@@ -3566,7 +3566,7 @@
             <a:fld id="{86799209-1D57-4852-A270-9062740836F5}" type="datetimeFigureOut">
               <a:rPr lang="fr-FR" smtClean="0"/>
               <a:pPr/>
-              <a:t>29/09/2016</a:t>
+              <a:t>01/10/2016</a:t>
             </a:fld>
             <a:endParaRPr lang="en-US"/>
           </a:p>
@@ -3982,7 +3982,7 @@
             <a:fld id="{86799209-1D57-4852-A270-9062740836F5}" type="datetimeFigureOut">
               <a:rPr lang="fr-FR" smtClean="0"/>
               <a:pPr/>
-              <a:t>29/09/2016</a:t>
+              <a:t>01/10/2016</a:t>
             </a:fld>
             <a:endParaRPr lang="en-US"/>
           </a:p>
@@ -4096,7 +4096,7 @@
             <a:fld id="{86799209-1D57-4852-A270-9062740836F5}" type="datetimeFigureOut">
               <a:rPr lang="fr-FR" smtClean="0"/>
               <a:pPr/>
-              <a:t>29/09/2016</a:t>
+              <a:t>01/10/2016</a:t>
             </a:fld>
             <a:endParaRPr lang="en-US"/>
           </a:p>
@@ -4188,7 +4188,7 @@
             <a:fld id="{86799209-1D57-4852-A270-9062740836F5}" type="datetimeFigureOut">
               <a:rPr lang="fr-FR" smtClean="0"/>
               <a:pPr/>
-              <a:t>29/09/2016</a:t>
+              <a:t>01/10/2016</a:t>
             </a:fld>
             <a:endParaRPr lang="en-US"/>
           </a:p>
@@ -4460,7 +4460,7 @@
             <a:fld id="{86799209-1D57-4852-A270-9062740836F5}" type="datetimeFigureOut">
               <a:rPr lang="fr-FR" smtClean="0"/>
               <a:pPr/>
-              <a:t>29/09/2016</a:t>
+              <a:t>01/10/2016</a:t>
             </a:fld>
             <a:endParaRPr lang="en-US"/>
           </a:p>
@@ -4668,7 +4668,7 @@
             <a:fld id="{86799209-1D57-4852-A270-9062740836F5}" type="datetimeFigureOut">
               <a:rPr lang="fr-FR" smtClean="0"/>
               <a:pPr/>
-              <a:t>29/09/2016</a:t>
+              <a:t>01/10/2016</a:t>
             </a:fld>
             <a:endParaRPr lang="en-US"/>
           </a:p>
@@ -6519,7 +6519,7 @@
             <a:pPr lvl="1"/>
             <a:r>
               <a:rPr lang="ko-KR" altLang="en-US" dirty="0"/>
-              <a:t>특정 시점의 상태정보르 복원되기 위해 저장</a:t>
+              <a:t>특정 시점의 상태정보를 복원되기 위해 저장</a:t>
             </a:r>
             <a:endParaRPr lang="en-US" altLang="ko-KR" dirty="0"/>
           </a:p>
@@ -6548,11 +6548,7 @@
             </a:r>
             <a:r>
               <a:rPr lang="ko-KR" altLang="en-US" dirty="0"/>
-              <a:t>자주 </a:t>
-            </a:r>
-            <a:r>
-              <a:rPr lang="ko-KR" altLang="en-US" dirty="0" err="1"/>
-              <a:t>생성될경우</a:t>
+              <a:t>자주 생성 될 경우</a:t>
             </a:r>
             <a:endParaRPr lang="en-US" altLang="ko-KR" dirty="0"/>
           </a:p>
